--- a/spring14/slidesS14/relations.pptx
+++ b/spring14/slidesS14/relations.pptx
@@ -9259,7 +9259,7 @@
           <a:graphicData uri="http://schemas.openxmlformats.org/presentationml/2006/ole">
             <mc:AlternateContent xmlns:mc="http://schemas.openxmlformats.org/markup-compatibility/2006">
               <mc:Choice xmlns:v="urn:schemas-microsoft-com:vml" Requires="v">
-                <p:oleObj spid="_x0000_s642070" name="Equation" r:id="rId4" imgW="1066800" imgH="495300" progId="Equation.3">
+                <p:oleObj spid="_x0000_s642072" name="Equation" r:id="rId4" imgW="1066800" imgH="495300" progId="Equation.3">
                   <p:embed/>
                 </p:oleObj>
               </mc:Choice>
@@ -11444,7 +11444,7 @@
           <a:graphicData uri="http://schemas.openxmlformats.org/presentationml/2006/ole">
             <mc:AlternateContent xmlns:mc="http://schemas.openxmlformats.org/markup-compatibility/2006">
               <mc:Choice xmlns:v="urn:schemas-microsoft-com:vml" Requires="v">
-                <p:oleObj spid="_x0000_s657423" name="Equation" r:id="rId5" imgW="1320800" imgH="266700" progId="Equation.DSMT4">
+                <p:oleObj spid="_x0000_s657425" name="Equation" r:id="rId5" imgW="1320800" imgH="266700" progId="Equation.DSMT4">
                   <p:embed/>
                 </p:oleObj>
               </mc:Choice>
@@ -15259,7 +15259,7 @@
           <a:graphicData uri="http://schemas.openxmlformats.org/presentationml/2006/ole">
             <mc:AlternateContent xmlns:mc="http://schemas.openxmlformats.org/markup-compatibility/2006">
               <mc:Choice xmlns:v="urn:schemas-microsoft-com:vml" Requires="v">
-                <p:oleObj spid="_x0000_s1096" name="Equation" r:id="rId4" imgW="2527300" imgH="457200" progId="Equation.DSMT4">
+                <p:oleObj spid="_x0000_s1099" name="Equation" r:id="rId4" imgW="2527300" imgH="457200" progId="Equation.DSMT4">
                   <p:embed/>
                 </p:oleObj>
               </mc:Choice>
@@ -15316,7 +15316,7 @@
           <a:graphicData uri="http://schemas.openxmlformats.org/presentationml/2006/ole">
             <mc:AlternateContent xmlns:mc="http://schemas.openxmlformats.org/markup-compatibility/2006">
               <mc:Choice xmlns:v="urn:schemas-microsoft-com:vml" Requires="v">
-                <p:oleObj spid="_x0000_s1097" name="Equation" r:id="rId6" imgW="749300" imgH="254000" progId="Equation.DSMT4">
+                <p:oleObj spid="_x0000_s1100" name="Equation" r:id="rId6" imgW="749300" imgH="254000" progId="Equation.DSMT4">
                   <p:embed/>
                 </p:oleObj>
               </mc:Choice>
@@ -18032,7 +18032,7 @@
           <a:graphicData uri="http://schemas.openxmlformats.org/presentationml/2006/ole">
             <mc:AlternateContent xmlns:mc="http://schemas.openxmlformats.org/markup-compatibility/2006">
               <mc:Choice xmlns:v="urn:schemas-microsoft-com:vml" Requires="v">
-                <p:oleObj spid="_x0000_s608339" name="Equation" r:id="rId3" imgW="2044700" imgH="457200" progId="Equation.DSMT4">
+                <p:oleObj spid="_x0000_s608342" name="Equation" r:id="rId3" imgW="2044700" imgH="457200" progId="Equation.DSMT4">
                   <p:embed/>
                 </p:oleObj>
               </mc:Choice>
@@ -18089,7 +18089,7 @@
           <a:graphicData uri="http://schemas.openxmlformats.org/presentationml/2006/ole">
             <mc:AlternateContent xmlns:mc="http://schemas.openxmlformats.org/markup-compatibility/2006">
               <mc:Choice xmlns:v="urn:schemas-microsoft-com:vml" Requires="v">
-                <p:oleObj spid="_x0000_s608340" name="Equation" r:id="rId5" imgW="622300" imgH="215900" progId="Equation.DSMT4">
+                <p:oleObj spid="_x0000_s608343" name="Equation" r:id="rId5" imgW="622300" imgH="215900" progId="Equation.DSMT4">
                   <p:embed/>
                 </p:oleObj>
               </mc:Choice>
@@ -18381,7 +18381,7 @@
           <a:graphicData uri="http://schemas.openxmlformats.org/presentationml/2006/ole">
             <mc:AlternateContent xmlns:mc="http://schemas.openxmlformats.org/markup-compatibility/2006">
               <mc:Choice xmlns:v="urn:schemas-microsoft-com:vml" Requires="v">
-                <p:oleObj spid="_x0000_s612430" name="Equation" r:id="rId4" imgW="2692400" imgH="355600" progId="Equation.DSMT4">
+                <p:oleObj spid="_x0000_s612433" name="Equation" r:id="rId4" imgW="2692400" imgH="355600" progId="Equation.DSMT4">
                   <p:embed/>
                 </p:oleObj>
               </mc:Choice>
@@ -18438,7 +18438,7 @@
           <a:graphicData uri="http://schemas.openxmlformats.org/presentationml/2006/ole">
             <mc:AlternateContent xmlns:mc="http://schemas.openxmlformats.org/markup-compatibility/2006">
               <mc:Choice xmlns:v="urn:schemas-microsoft-com:vml" Requires="v">
-                <p:oleObj spid="_x0000_s612431" name="Equation" r:id="rId6" imgW="2971800" imgH="381000" progId="Equation.DSMT4">
+                <p:oleObj spid="_x0000_s612434" name="Equation" r:id="rId6" imgW="2971800" imgH="381000" progId="Equation.DSMT4">
                   <p:embed/>
                 </p:oleObj>
               </mc:Choice>
@@ -18711,7 +18711,7 @@
           <a:graphicData uri="http://schemas.openxmlformats.org/presentationml/2006/ole">
             <mc:AlternateContent xmlns:mc="http://schemas.openxmlformats.org/markup-compatibility/2006">
               <mc:Choice xmlns:v="urn:schemas-microsoft-com:vml" Requires="v">
-                <p:oleObj spid="_x0000_s659483" name="Equation" r:id="rId4" imgW="2768600" imgH="584200" progId="Equation.DSMT4">
+                <p:oleObj spid="_x0000_s659486" name="Equation" r:id="rId4" imgW="2768600" imgH="584200" progId="Equation.DSMT4">
                   <p:embed/>
                 </p:oleObj>
               </mc:Choice>
@@ -18830,7 +18830,7 @@
           <a:graphicData uri="http://schemas.openxmlformats.org/presentationml/2006/ole">
             <mc:AlternateContent xmlns:mc="http://schemas.openxmlformats.org/markup-compatibility/2006">
               <mc:Choice xmlns:v="urn:schemas-microsoft-com:vml" Requires="v">
-                <p:oleObj spid="_x0000_s659484" name="Equation" r:id="rId6" imgW="2959100" imgH="685800" progId="Equation.3">
+                <p:oleObj spid="_x0000_s659487" name="Equation" r:id="rId6" imgW="2959100" imgH="685800" progId="Equation.3">
                   <p:embed/>
                 </p:oleObj>
               </mc:Choice>
@@ -19074,7 +19074,7 @@
           <a:graphicData uri="http://schemas.openxmlformats.org/presentationml/2006/ole">
             <mc:AlternateContent xmlns:mc="http://schemas.openxmlformats.org/markup-compatibility/2006">
               <mc:Choice xmlns:v="urn:schemas-microsoft-com:vml" Requires="v">
-                <p:oleObj spid="_x0000_s613443" name="Equation" r:id="rId4" imgW="1473200" imgH="355600" progId="Equation.DSMT4">
+                <p:oleObj spid="_x0000_s613446" name="Equation" r:id="rId4" imgW="1473200" imgH="355600" progId="Equation.DSMT4">
                   <p:embed/>
                 </p:oleObj>
               </mc:Choice>
@@ -19131,7 +19131,7 @@
           <a:graphicData uri="http://schemas.openxmlformats.org/presentationml/2006/ole">
             <mc:AlternateContent xmlns:mc="http://schemas.openxmlformats.org/markup-compatibility/2006">
               <mc:Choice xmlns:v="urn:schemas-microsoft-com:vml" Requires="v">
-                <p:oleObj spid="_x0000_s613444" name="Equation" r:id="rId6" imgW="355600" imgH="177800" progId="Equation.DSMT4">
+                <p:oleObj spid="_x0000_s613447" name="Equation" r:id="rId6" imgW="355600" imgH="177800" progId="Equation.DSMT4">
                   <p:embed/>
                 </p:oleObj>
               </mc:Choice>
@@ -20607,7 +20607,7 @@
             <a:graphicData uri="http://schemas.openxmlformats.org/presentationml/2006/ole">
               <mc:AlternateContent xmlns:mc="http://schemas.openxmlformats.org/markup-compatibility/2006">
                 <mc:Choice xmlns:v="urn:schemas-microsoft-com:vml" Requires="v">
-                  <p:oleObj spid="_x0000_s614472" name="Equation" r:id="rId4" imgW="342900" imgH="177800" progId="Equation.DSMT4">
+                  <p:oleObj spid="_x0000_s614475" name="Equation" r:id="rId4" imgW="342900" imgH="177800" progId="Equation.DSMT4">
                     <p:embed/>
                   </p:oleObj>
                 </mc:Choice>
@@ -20716,7 +20716,7 @@
           <a:graphicData uri="http://schemas.openxmlformats.org/presentationml/2006/ole">
             <mc:AlternateContent xmlns:mc="http://schemas.openxmlformats.org/markup-compatibility/2006">
               <mc:Choice xmlns:v="urn:schemas-microsoft-com:vml" Requires="v">
-                <p:oleObj spid="_x0000_s614473" name="Equation" r:id="rId6" imgW="2565400" imgH="457200" progId="Equation.DSMT4">
+                <p:oleObj spid="_x0000_s614476" name="Equation" r:id="rId6" imgW="2565400" imgH="457200" progId="Equation.DSMT4">
                   <p:embed/>
                 </p:oleObj>
               </mc:Choice>
@@ -24776,7 +24776,7 @@
           <a:graphicData uri="http://schemas.openxmlformats.org/presentationml/2006/ole">
             <mc:AlternateContent xmlns:mc="http://schemas.openxmlformats.org/markup-compatibility/2006">
               <mc:Choice xmlns:v="urn:schemas-microsoft-com:vml" Requires="v">
-                <p:oleObj spid="_x0000_s627862" name="Equation" r:id="rId4" imgW="1346200" imgH="228600" progId="Equation.3">
+                <p:oleObj spid="_x0000_s627869" name="Equation" r:id="rId4" imgW="1346200" imgH="228600" progId="Equation.3">
                   <p:embed/>
                 </p:oleObj>
               </mc:Choice>
@@ -24833,7 +24833,7 @@
           <a:graphicData uri="http://schemas.openxmlformats.org/presentationml/2006/ole">
             <mc:AlternateContent xmlns:mc="http://schemas.openxmlformats.org/markup-compatibility/2006">
               <mc:Choice xmlns:v="urn:schemas-microsoft-com:vml" Requires="v">
-                <p:oleObj spid="_x0000_s627863" name="Equation" r:id="rId6" imgW="2209800" imgH="228600" progId="Equation.DSMT4">
+                <p:oleObj spid="_x0000_s627870" name="Equation" r:id="rId6" imgW="2209800" imgH="228600" progId="Equation.DSMT4">
                   <p:embed/>
                 </p:oleObj>
               </mc:Choice>
@@ -24921,7 +24921,7 @@
           <a:graphicData uri="http://schemas.openxmlformats.org/presentationml/2006/ole">
             <mc:AlternateContent xmlns:mc="http://schemas.openxmlformats.org/markup-compatibility/2006">
               <mc:Choice xmlns:v="urn:schemas-microsoft-com:vml" Requires="v">
-                <p:oleObj spid="_x0000_s627864" name="Equation" r:id="rId8" imgW="965200" imgH="228600" progId="Equation.3">
+                <p:oleObj spid="_x0000_s627871" name="Equation" r:id="rId8" imgW="965200" imgH="228600" progId="Equation.3">
                   <p:embed/>
                 </p:oleObj>
               </mc:Choice>
@@ -24978,7 +24978,7 @@
           <a:graphicData uri="http://schemas.openxmlformats.org/presentationml/2006/ole">
             <mc:AlternateContent xmlns:mc="http://schemas.openxmlformats.org/markup-compatibility/2006">
               <mc:Choice xmlns:v="urn:schemas-microsoft-com:vml" Requires="v">
-                <p:oleObj spid="_x0000_s627865" name="Equation" r:id="rId10" imgW="1079500" imgH="469900" progId="Equation.DSMT4">
+                <p:oleObj spid="_x0000_s627872" name="Equation" r:id="rId10" imgW="1079500" imgH="469900" progId="Equation.DSMT4">
                   <p:embed/>
                 </p:oleObj>
               </mc:Choice>
@@ -25035,7 +25035,7 @@
           <a:graphicData uri="http://schemas.openxmlformats.org/presentationml/2006/ole">
             <mc:AlternateContent xmlns:mc="http://schemas.openxmlformats.org/markup-compatibility/2006">
               <mc:Choice xmlns:v="urn:schemas-microsoft-com:vml" Requires="v">
-                <p:oleObj spid="_x0000_s627866" name="Equation" r:id="rId12" imgW="1612900" imgH="330200" progId="Equation.DSMT4">
+                <p:oleObj spid="_x0000_s627873" name="Equation" r:id="rId12" imgW="1612900" imgH="330200" progId="Equation.DSMT4">
                   <p:embed/>
                 </p:oleObj>
               </mc:Choice>
@@ -25092,7 +25092,7 @@
           <a:graphicData uri="http://schemas.openxmlformats.org/presentationml/2006/ole">
             <mc:AlternateContent xmlns:mc="http://schemas.openxmlformats.org/markup-compatibility/2006">
               <mc:Choice xmlns:v="urn:schemas-microsoft-com:vml" Requires="v">
-                <p:oleObj spid="_x0000_s627867" name="Equation" r:id="rId14" imgW="406400" imgH="431800" progId="Equation.DSMT4">
+                <p:oleObj spid="_x0000_s627874" name="Equation" r:id="rId14" imgW="406400" imgH="431800" progId="Equation.DSMT4">
                   <p:embed/>
                 </p:oleObj>
               </mc:Choice>
@@ -26675,7 +26675,7 @@
           <a:graphicData uri="http://schemas.openxmlformats.org/presentationml/2006/ole">
             <mc:AlternateContent xmlns:mc="http://schemas.openxmlformats.org/markup-compatibility/2006">
               <mc:Choice xmlns:v="urn:schemas-microsoft-com:vml" Requires="v">
-                <p:oleObj spid="_x0000_s607343" name="Equation" r:id="rId4" imgW="1016000" imgH="215900" progId="Equation.DSMT4">
+                <p:oleObj spid="_x0000_s607346" name="Equation" r:id="rId4" imgW="1016000" imgH="215900" progId="Equation.DSMT4">
                   <p:embed/>
                 </p:oleObj>
               </mc:Choice>
@@ -26732,7 +26732,7 @@
           <a:graphicData uri="http://schemas.openxmlformats.org/presentationml/2006/ole">
             <mc:AlternateContent xmlns:mc="http://schemas.openxmlformats.org/markup-compatibility/2006">
               <mc:Choice xmlns:v="urn:schemas-microsoft-com:vml" Requires="v">
-                <p:oleObj spid="_x0000_s607344" name="Equation" r:id="rId6" imgW="2095500" imgH="355600" progId="Equation.3">
+                <p:oleObj spid="_x0000_s607347" name="Equation" r:id="rId6" imgW="2095500" imgH="355600" progId="Equation.3">
                   <p:embed/>
                 </p:oleObj>
               </mc:Choice>
@@ -27189,7 +27189,7 @@
           <a:graphicData uri="http://schemas.openxmlformats.org/presentationml/2006/ole">
             <mc:AlternateContent xmlns:mc="http://schemas.openxmlformats.org/markup-compatibility/2006">
               <mc:Choice xmlns:v="urn:schemas-microsoft-com:vml" Requires="v">
-                <p:oleObj spid="_x0000_s658462" name="Equation" r:id="rId4" imgW="2095500" imgH="355600" progId="Equation.3">
+                <p:oleObj spid="_x0000_s658465" name="Equation" r:id="rId4" imgW="2095500" imgH="355600" progId="Equation.3">
                   <p:embed/>
                 </p:oleObj>
               </mc:Choice>
@@ -27246,7 +27246,7 @@
           <a:graphicData uri="http://schemas.openxmlformats.org/presentationml/2006/ole">
             <mc:AlternateContent xmlns:mc="http://schemas.openxmlformats.org/markup-compatibility/2006">
               <mc:Choice xmlns:v="urn:schemas-microsoft-com:vml" Requires="v">
-                <p:oleObj spid="_x0000_s658463" name="Equation" r:id="rId6" imgW="635000" imgH="279400" progId="Equation.DSMT4">
+                <p:oleObj spid="_x0000_s658466" name="Equation" r:id="rId6" imgW="635000" imgH="279400" progId="Equation.DSMT4">
                   <p:embed/>
                 </p:oleObj>
               </mc:Choice>
@@ -37210,7 +37210,7 @@
           <a:graphicData uri="http://schemas.openxmlformats.org/presentationml/2006/ole">
             <mc:AlternateContent xmlns:mc="http://schemas.openxmlformats.org/markup-compatibility/2006">
               <mc:Choice xmlns:v="urn:schemas-microsoft-com:vml" Requires="v">
-                <p:oleObj spid="_x0000_s599119" name="Equation" r:id="rId3" imgW="1422400" imgH="457200" progId="Equation.3">
+                <p:oleObj spid="_x0000_s599122" name="Equation" r:id="rId3" imgW="1422400" imgH="457200" progId="Equation.3">
                   <p:embed/>
                 </p:oleObj>
               </mc:Choice>
@@ -37305,7 +37305,7 @@
           <a:graphicData uri="http://schemas.openxmlformats.org/presentationml/2006/ole">
             <mc:AlternateContent xmlns:mc="http://schemas.openxmlformats.org/markup-compatibility/2006">
               <mc:Choice xmlns:v="urn:schemas-microsoft-com:vml" Requires="v">
-                <p:oleObj spid="_x0000_s599120" name="Equation" r:id="rId5" imgW="1422400" imgH="457200" progId="Equation.3">
+                <p:oleObj spid="_x0000_s599123" name="Equation" r:id="rId5" imgW="1422400" imgH="457200" progId="Equation.3">
                   <p:embed/>
                 </p:oleObj>
               </mc:Choice>
@@ -43192,7 +43192,7 @@
           <a:graphicData uri="http://schemas.openxmlformats.org/presentationml/2006/ole">
             <mc:AlternateContent xmlns:mc="http://schemas.openxmlformats.org/markup-compatibility/2006">
               <mc:Choice xmlns:v="urn:schemas-microsoft-com:vml" Requires="v">
-                <p:oleObj spid="_x0000_s640045" name="Equation" r:id="rId4" imgW="1016000" imgH="355600" progId="Equation.DSMT4">
+                <p:oleObj spid="_x0000_s640048" name="Equation" r:id="rId4" imgW="1016000" imgH="355600" progId="Equation.DSMT4">
                   <p:embed/>
                 </p:oleObj>
               </mc:Choice>
@@ -43249,7 +43249,7 @@
           <a:graphicData uri="http://schemas.openxmlformats.org/presentationml/2006/ole">
             <mc:AlternateContent xmlns:mc="http://schemas.openxmlformats.org/markup-compatibility/2006">
               <mc:Choice xmlns:v="urn:schemas-microsoft-com:vml" Requires="v">
-                <p:oleObj spid="_x0000_s640046" name="Equation" r:id="rId6" imgW="2349500" imgH="508000" progId="Equation.DSMT4">
+                <p:oleObj spid="_x0000_s640049" name="Equation" r:id="rId6" imgW="2349500" imgH="508000" progId="Equation.DSMT4">
                   <p:embed/>
                 </p:oleObj>
               </mc:Choice>
@@ -48351,7 +48351,7 @@
           <a:graphicData uri="http://schemas.openxmlformats.org/presentationml/2006/ole">
             <mc:AlternateContent xmlns:mc="http://schemas.openxmlformats.org/markup-compatibility/2006">
               <mc:Choice xmlns:v="urn:schemas-microsoft-com:vml" Requires="v">
-                <p:oleObj spid="_x0000_s578687" name="Equation" r:id="rId5" imgW="1104900" imgH="508000" progId="Equation.DSMT4">
+                <p:oleObj spid="_x0000_s578690" name="Equation" r:id="rId5" imgW="1104900" imgH="508000" progId="Equation.DSMT4">
                   <p:embed/>
                 </p:oleObj>
               </mc:Choice>
@@ -48408,7 +48408,7 @@
           <a:graphicData uri="http://schemas.openxmlformats.org/presentationml/2006/ole">
             <mc:AlternateContent xmlns:mc="http://schemas.openxmlformats.org/markup-compatibility/2006">
               <mc:Choice xmlns:v="urn:schemas-microsoft-com:vml" Requires="v">
-                <p:oleObj spid="_x0000_s578688" name="Equation" r:id="rId7" imgW="939800" imgH="215900" progId="Equation.3">
+                <p:oleObj spid="_x0000_s578691" name="Equation" r:id="rId7" imgW="939800" imgH="215900" progId="Equation.3">
                   <p:embed/>
                 </p:oleObj>
               </mc:Choice>
@@ -48928,7 +48928,7 @@
           <a:graphicData uri="http://schemas.openxmlformats.org/presentationml/2006/ole">
             <mc:AlternateContent xmlns:mc="http://schemas.openxmlformats.org/markup-compatibility/2006">
               <mc:Choice xmlns:v="urn:schemas-microsoft-com:vml" Requires="v">
-                <p:oleObj spid="_x0000_s611432" name="Equation" r:id="rId5" imgW="1181100" imgH="508000" progId="Equation.DSMT4">
+                <p:oleObj spid="_x0000_s611436" name="Equation" r:id="rId5" imgW="1181100" imgH="508000" progId="Equation.DSMT4">
                   <p:embed/>
                 </p:oleObj>
               </mc:Choice>
@@ -48985,7 +48985,7 @@
           <a:graphicData uri="http://schemas.openxmlformats.org/presentationml/2006/ole">
             <mc:AlternateContent xmlns:mc="http://schemas.openxmlformats.org/markup-compatibility/2006">
               <mc:Choice xmlns:v="urn:schemas-microsoft-com:vml" Requires="v">
-                <p:oleObj spid="_x0000_s611433" name="Equation" r:id="rId7" imgW="749300" imgH="292100" progId="Equation.DSMT4">
+                <p:oleObj spid="_x0000_s611437" name="Equation" r:id="rId7" imgW="749300" imgH="292100" progId="Equation.DSMT4">
                   <p:embed/>
                 </p:oleObj>
               </mc:Choice>
@@ -49042,7 +49042,7 @@
           <a:graphicData uri="http://schemas.openxmlformats.org/presentationml/2006/ole">
             <mc:AlternateContent xmlns:mc="http://schemas.openxmlformats.org/markup-compatibility/2006">
               <mc:Choice xmlns:v="urn:schemas-microsoft-com:vml" Requires="v">
-                <p:oleObj spid="_x0000_s611434" name="Equation" r:id="rId9" imgW="1689100" imgH="330200" progId="Equation.DSMT4">
+                <p:oleObj spid="_x0000_s611438" name="Equation" r:id="rId9" imgW="1689100" imgH="330200" progId="Equation.DSMT4">
                   <p:embed/>
                 </p:oleObj>
               </mc:Choice>
@@ -49608,7 +49608,7 @@
           <a:graphicData uri="http://schemas.openxmlformats.org/presentationml/2006/ole">
             <mc:AlternateContent xmlns:mc="http://schemas.openxmlformats.org/markup-compatibility/2006">
               <mc:Choice xmlns:v="urn:schemas-microsoft-com:vml" Requires="v">
-                <p:oleObj spid="_x0000_s602223" name="Equation" r:id="rId3" imgW="660400" imgH="203200" progId="Equation.3">
+                <p:oleObj spid="_x0000_s602227" name="Equation" r:id="rId3" imgW="660400" imgH="203200" progId="Equation.3">
                   <p:embed/>
                 </p:oleObj>
               </mc:Choice>
@@ -49703,7 +49703,7 @@
           <a:graphicData uri="http://schemas.openxmlformats.org/presentationml/2006/ole">
             <mc:AlternateContent xmlns:mc="http://schemas.openxmlformats.org/markup-compatibility/2006">
               <mc:Choice xmlns:v="urn:schemas-microsoft-com:vml" Requires="v">
-                <p:oleObj spid="_x0000_s602224" name="Equation" r:id="rId5" imgW="583947" imgH="203112" progId="Equation.DSMT4">
+                <p:oleObj spid="_x0000_s602228" name="Equation" r:id="rId5" imgW="583947" imgH="203112" progId="Equation.DSMT4">
                   <p:embed/>
                 </p:oleObj>
               </mc:Choice>
@@ -49804,7 +49804,7 @@
           <a:graphicData uri="http://schemas.openxmlformats.org/presentationml/2006/ole">
             <mc:AlternateContent xmlns:mc="http://schemas.openxmlformats.org/markup-compatibility/2006">
               <mc:Choice xmlns:v="urn:schemas-microsoft-com:vml" Requires="v">
-                <p:oleObj spid="_x0000_s602225" name="Equation" r:id="rId7" imgW="393359" imgH="177646" progId="Equation.3">
+                <p:oleObj spid="_x0000_s602229" name="Equation" r:id="rId7" imgW="393359" imgH="177646" progId="Equation.3">
                   <p:embed/>
                 </p:oleObj>
               </mc:Choice>
@@ -50216,7 +50216,7 @@
           <a:graphicData uri="http://schemas.openxmlformats.org/presentationml/2006/ole">
             <mc:AlternateContent xmlns:mc="http://schemas.openxmlformats.org/markup-compatibility/2006">
               <mc:Choice xmlns:v="urn:schemas-microsoft-com:vml" Requires="v">
-                <p:oleObj spid="_x0000_s603215" name="Equation" r:id="rId3" imgW="609600" imgH="190500" progId="Equation.3">
+                <p:oleObj spid="_x0000_s603218" name="Equation" r:id="rId3" imgW="609600" imgH="190500" progId="Equation.3">
                   <p:embed/>
                 </p:oleObj>
               </mc:Choice>
@@ -50311,7 +50311,7 @@
           <a:graphicData uri="http://schemas.openxmlformats.org/presentationml/2006/ole">
             <mc:AlternateContent xmlns:mc="http://schemas.openxmlformats.org/markup-compatibility/2006">
               <mc:Choice xmlns:v="urn:schemas-microsoft-com:vml" Requires="v">
-                <p:oleObj spid="_x0000_s603216" name="Equation" r:id="rId5" imgW="165100" imgH="165100" progId="Equation.DSMT4">
+                <p:oleObj spid="_x0000_s603219" name="Equation" r:id="rId5" imgW="165100" imgH="165100" progId="Equation.DSMT4">
                   <p:embed/>
                 </p:oleObj>
               </mc:Choice>
@@ -50738,7 +50738,7 @@
           <a:graphicData uri="http://schemas.openxmlformats.org/presentationml/2006/ole">
             <mc:AlternateContent xmlns:mc="http://schemas.openxmlformats.org/markup-compatibility/2006">
               <mc:Choice xmlns:v="urn:schemas-microsoft-com:vml" Requires="v">
-                <p:oleObj spid="_x0000_s606283" name="Equation" r:id="rId3" imgW="660113" imgH="203112" progId="Equation.DSMT4">
+                <p:oleObj spid="_x0000_s606286" name="Equation" r:id="rId3" imgW="660113" imgH="203112" progId="Equation.DSMT4">
                   <p:embed/>
                 </p:oleObj>
               </mc:Choice>
@@ -50833,7 +50833,7 @@
           <a:graphicData uri="http://schemas.openxmlformats.org/presentationml/2006/ole">
             <mc:AlternateContent xmlns:mc="http://schemas.openxmlformats.org/markup-compatibility/2006">
               <mc:Choice xmlns:v="urn:schemas-microsoft-com:vml" Requires="v">
-                <p:oleObj spid="_x0000_s606284" name="Equation" r:id="rId5" imgW="1485900" imgH="203200" progId="Equation.3">
+                <p:oleObj spid="_x0000_s606287" name="Equation" r:id="rId5" imgW="1485900" imgH="203200" progId="Equation.3">
                   <p:embed/>
                 </p:oleObj>
               </mc:Choice>
